--- a/Report/FYP_Poster.pptx
+++ b/Report/FYP_Poster.pptx
@@ -164,8 +164,12 @@
               <a:defRPr sz="3200"/>
             </a:pPr>
             <a:r>
-              <a:rPr lang="en-US" sz="3200"/>
-              <a:t>Singely Linked Buffer;  Cube; Mutex Lock vs Lockless; Key Range 128</a:t>
+              <a:rPr lang="en-US" sz="3200" dirty="0" smtClean="0"/>
+              <a:t>Singly </a:t>
+            </a:r>
+            <a:r>
+              <a:rPr lang="en-US" sz="3200" dirty="0"/>
+              <a:t>Linked Buffer;  Cube; Mutex Lock vs Lockless; Key Range 128</a:t>
             </a:r>
           </a:p>
         </c:rich>
@@ -379,11 +383,11 @@
         </c:dLbls>
         <c:marker val="1"/>
         <c:smooth val="0"/>
-        <c:axId val="81109376"/>
-        <c:axId val="81112064"/>
+        <c:axId val="80936960"/>
+        <c:axId val="81068800"/>
       </c:lineChart>
       <c:catAx>
-        <c:axId val="81109376"/>
+        <c:axId val="80936960"/>
         <c:scaling>
           <c:orientation val="minMax"/>
         </c:scaling>
@@ -396,10 +400,10 @@
               <a:lstStyle/>
               <a:p>
                 <a:pPr>
-                  <a:defRPr sz="2800"/>
+                  <a:defRPr sz="3200" b="1"/>
                 </a:pPr>
                 <a:r>
-                  <a:rPr lang="en-US" sz="2800"/>
+                  <a:rPr lang="en-US" sz="3200" b="1"/>
                   <a:t>Number of Threads</a:t>
                 </a:r>
               </a:p>
@@ -417,12 +421,12 @@
           <a:lstStyle/>
           <a:p>
             <a:pPr>
-              <a:defRPr sz="2800"/>
+              <a:defRPr sz="3600"/>
             </a:pPr>
             <a:endParaRPr lang="en-US"/>
           </a:p>
         </c:txPr>
-        <c:crossAx val="81112064"/>
+        <c:crossAx val="81068800"/>
         <c:crosses val="autoZero"/>
         <c:auto val="1"/>
         <c:lblAlgn val="ctr"/>
@@ -430,7 +434,7 @@
         <c:noMultiLvlLbl val="0"/>
       </c:catAx>
       <c:valAx>
-        <c:axId val="81112064"/>
+        <c:axId val="81068800"/>
         <c:scaling>
           <c:orientation val="minMax"/>
         </c:scaling>
@@ -444,10 +448,10 @@
               <a:lstStyle/>
               <a:p>
                 <a:pPr>
-                  <a:defRPr sz="2800"/>
+                  <a:defRPr sz="2800" b="1"/>
                 </a:pPr>
                 <a:r>
-                  <a:rPr lang="en-US" sz="2800"/>
+                  <a:rPr lang="en-US" sz="2800" b="1"/>
                   <a:t>Iterations per second</a:t>
                 </a:r>
               </a:p>
@@ -470,7 +474,7 @@
             <a:endParaRPr lang="en-US"/>
           </a:p>
         </c:txPr>
-        <c:crossAx val="81109376"/>
+        <c:crossAx val="80936960"/>
         <c:crosses val="autoZero"/>
         <c:crossBetween val="between"/>
       </c:valAx>
@@ -494,6 +498,452 @@
     <c:dispBlanksAs val="gap"/>
     <c:showDLblsOverMax val="0"/>
   </c:chart>
+  <c:externalData r:id="rId1">
+    <c:autoUpdate val="0"/>
+  </c:externalData>
+</c:chartSpace>
+</file>
+
+<file path=ppt/charts/chart2.xml><?xml version="1.0" encoding="utf-8"?>
+<c:chartSpace xmlns:c="http://schemas.openxmlformats.org/drawingml/2006/chart" xmlns:a="http://schemas.openxmlformats.org/drawingml/2006/main" xmlns:r="http://schemas.openxmlformats.org/officeDocument/2006/relationships">
+  <c:date1904 val="0"/>
+  <c:lang val="en-IE"/>
+  <c:roundedCorners val="0"/>
+  <mc:AlternateContent xmlns:mc="http://schemas.openxmlformats.org/markup-compatibility/2006">
+    <mc:Choice xmlns:c14="http://schemas.microsoft.com/office/drawing/2007/8/2/chart" Requires="c14">
+      <c14:style val="102"/>
+    </mc:Choice>
+    <mc:Fallback>
+      <c:style val="2"/>
+    </mc:Fallback>
+  </mc:AlternateContent>
+  <c:chart>
+    <c:title>
+      <c:tx>
+        <c:rich>
+          <a:bodyPr/>
+          <a:lstStyle/>
+          <a:p>
+            <a:pPr>
+              <a:defRPr sz="3600"/>
+            </a:pPr>
+            <a:r>
+              <a:rPr lang="en-US" sz="3200" dirty="0"/>
+              <a:t>Hash Table; Stoker; </a:t>
+            </a:r>
+            <a:r>
+              <a:rPr lang="en-US" sz="3200" dirty="0" err="1"/>
+              <a:t>Pthread</a:t>
+            </a:r>
+            <a:r>
+              <a:rPr lang="en-US" sz="3200" dirty="0"/>
+              <a:t> Mutex lock vs lockless; Key Range 128</a:t>
+            </a:r>
+          </a:p>
+        </c:rich>
+      </c:tx>
+      <c:layout/>
+      <c:overlay val="0"/>
+    </c:title>
+    <c:autoTitleDeleted val="0"/>
+    <c:plotArea>
+      <c:layout/>
+      <c:lineChart>
+        <c:grouping val="standard"/>
+        <c:varyColors val="0"/>
+        <c:ser>
+          <c:idx val="0"/>
+          <c:order val="0"/>
+          <c:tx>
+            <c:strRef>
+              <c:f>Sheet1!$A$5</c:f>
+              <c:strCache>
+                <c:ptCount val="1"/>
+                <c:pt idx="0">
+                  <c:v>Stoker (32 Core) Global Locked</c:v>
+                </c:pt>
+              </c:strCache>
+            </c:strRef>
+          </c:tx>
+          <c:spPr>
+            <a:ln>
+              <a:solidFill>
+                <a:srgbClr val="C00000"/>
+              </a:solidFill>
+            </a:ln>
+          </c:spPr>
+          <c:marker>
+            <c:spPr>
+              <a:ln>
+                <a:solidFill>
+                  <a:srgbClr val="C00000"/>
+                </a:solidFill>
+              </a:ln>
+            </c:spPr>
+          </c:marker>
+          <c:cat>
+            <c:numRef>
+              <c:f>Sheet1!$B$4:$I$4</c:f>
+              <c:numCache>
+                <c:formatCode>General</c:formatCode>
+                <c:ptCount val="8"/>
+                <c:pt idx="0">
+                  <c:v>1</c:v>
+                </c:pt>
+                <c:pt idx="1">
+                  <c:v>2</c:v>
+                </c:pt>
+                <c:pt idx="2">
+                  <c:v>4</c:v>
+                </c:pt>
+                <c:pt idx="3">
+                  <c:v>8</c:v>
+                </c:pt>
+                <c:pt idx="4">
+                  <c:v>16</c:v>
+                </c:pt>
+                <c:pt idx="5">
+                  <c:v>32</c:v>
+                </c:pt>
+                <c:pt idx="6">
+                  <c:v>64</c:v>
+                </c:pt>
+                <c:pt idx="7">
+                  <c:v>128</c:v>
+                </c:pt>
+              </c:numCache>
+            </c:numRef>
+          </c:cat>
+          <c:val>
+            <c:numRef>
+              <c:f>Sheet1!$B$5:$I$5</c:f>
+              <c:numCache>
+                <c:formatCode>_(* #,##0.00_);_(* \(#,##0.00\);_(* "-"??_);_(@_)</c:formatCode>
+                <c:ptCount val="8"/>
+                <c:pt idx="0">
+                  <c:v>7015370</c:v>
+                </c:pt>
+                <c:pt idx="1">
+                  <c:v>4328835</c:v>
+                </c:pt>
+                <c:pt idx="2">
+                  <c:v>6578042</c:v>
+                </c:pt>
+                <c:pt idx="3">
+                  <c:v>5226660</c:v>
+                </c:pt>
+                <c:pt idx="4">
+                  <c:v>3892955</c:v>
+                </c:pt>
+                <c:pt idx="5">
+                  <c:v>892256</c:v>
+                </c:pt>
+                <c:pt idx="6">
+                  <c:v>809843</c:v>
+                </c:pt>
+                <c:pt idx="7">
+                  <c:v>873801</c:v>
+                </c:pt>
+              </c:numCache>
+            </c:numRef>
+          </c:val>
+          <c:smooth val="0"/>
+        </c:ser>
+        <c:ser>
+          <c:idx val="1"/>
+          <c:order val="1"/>
+          <c:tx>
+            <c:strRef>
+              <c:f>Sheet1!$A$44</c:f>
+              <c:strCache>
+                <c:ptCount val="1"/>
+                <c:pt idx="0">
+                  <c:v>Stoker (32 Core) Per Bucket Locked</c:v>
+                </c:pt>
+              </c:strCache>
+            </c:strRef>
+          </c:tx>
+          <c:cat>
+            <c:numRef>
+              <c:f>Sheet1!$B$4:$I$4</c:f>
+              <c:numCache>
+                <c:formatCode>General</c:formatCode>
+                <c:ptCount val="8"/>
+                <c:pt idx="0">
+                  <c:v>1</c:v>
+                </c:pt>
+                <c:pt idx="1">
+                  <c:v>2</c:v>
+                </c:pt>
+                <c:pt idx="2">
+                  <c:v>4</c:v>
+                </c:pt>
+                <c:pt idx="3">
+                  <c:v>8</c:v>
+                </c:pt>
+                <c:pt idx="4">
+                  <c:v>16</c:v>
+                </c:pt>
+                <c:pt idx="5">
+                  <c:v>32</c:v>
+                </c:pt>
+                <c:pt idx="6">
+                  <c:v>64</c:v>
+                </c:pt>
+                <c:pt idx="7">
+                  <c:v>128</c:v>
+                </c:pt>
+              </c:numCache>
+            </c:numRef>
+          </c:cat>
+          <c:val>
+            <c:numRef>
+              <c:f>Sheet1!$B$44:$I$44</c:f>
+              <c:numCache>
+                <c:formatCode>_(* #,##0.00_);_(* \(#,##0.00\);_(* "-"??_);_(@_)</c:formatCode>
+                <c:ptCount val="8"/>
+                <c:pt idx="0">
+                  <c:v>6716906</c:v>
+                </c:pt>
+                <c:pt idx="1">
+                  <c:v>6692120</c:v>
+                </c:pt>
+                <c:pt idx="2">
+                  <c:v>5799176</c:v>
+                </c:pt>
+                <c:pt idx="3">
+                  <c:v>5853953</c:v>
+                </c:pt>
+                <c:pt idx="4">
+                  <c:v>2601819</c:v>
+                </c:pt>
+                <c:pt idx="5">
+                  <c:v>851955</c:v>
+                </c:pt>
+                <c:pt idx="6">
+                  <c:v>792610</c:v>
+                </c:pt>
+                <c:pt idx="7">
+                  <c:v>788613</c:v>
+                </c:pt>
+              </c:numCache>
+            </c:numRef>
+          </c:val>
+          <c:smooth val="0"/>
+        </c:ser>
+        <c:ser>
+          <c:idx val="2"/>
+          <c:order val="2"/>
+          <c:tx>
+            <c:strRef>
+              <c:f>Sheet1!$A$85</c:f>
+              <c:strCache>
+                <c:ptCount val="1"/>
+                <c:pt idx="0">
+                  <c:v>Stoker (32 Core) Lockless</c:v>
+                </c:pt>
+              </c:strCache>
+            </c:strRef>
+          </c:tx>
+          <c:spPr>
+            <a:ln>
+              <a:solidFill>
+                <a:srgbClr val="3A8F6A"/>
+              </a:solidFill>
+            </a:ln>
+          </c:spPr>
+          <c:marker>
+            <c:spPr>
+              <a:ln>
+                <a:solidFill>
+                  <a:srgbClr val="3A8F6A"/>
+                </a:solidFill>
+              </a:ln>
+            </c:spPr>
+          </c:marker>
+          <c:cat>
+            <c:numRef>
+              <c:f>Sheet1!$B$4:$I$4</c:f>
+              <c:numCache>
+                <c:formatCode>General</c:formatCode>
+                <c:ptCount val="8"/>
+                <c:pt idx="0">
+                  <c:v>1</c:v>
+                </c:pt>
+                <c:pt idx="1">
+                  <c:v>2</c:v>
+                </c:pt>
+                <c:pt idx="2">
+                  <c:v>4</c:v>
+                </c:pt>
+                <c:pt idx="3">
+                  <c:v>8</c:v>
+                </c:pt>
+                <c:pt idx="4">
+                  <c:v>16</c:v>
+                </c:pt>
+                <c:pt idx="5">
+                  <c:v>32</c:v>
+                </c:pt>
+                <c:pt idx="6">
+                  <c:v>64</c:v>
+                </c:pt>
+                <c:pt idx="7">
+                  <c:v>128</c:v>
+                </c:pt>
+              </c:numCache>
+            </c:numRef>
+          </c:cat>
+          <c:val>
+            <c:numRef>
+              <c:f>Sheet1!$B$85:$I$85</c:f>
+              <c:numCache>
+                <c:formatCode>_(* #,##0.00_);_(* \(#,##0.00\);_(* "-"??_);_(@_)</c:formatCode>
+                <c:ptCount val="8"/>
+                <c:pt idx="0">
+                  <c:v>7788094</c:v>
+                </c:pt>
+                <c:pt idx="1">
+                  <c:v>6104996</c:v>
+                </c:pt>
+                <c:pt idx="2">
+                  <c:v>6363219</c:v>
+                </c:pt>
+                <c:pt idx="3">
+                  <c:v>6839248</c:v>
+                </c:pt>
+                <c:pt idx="4">
+                  <c:v>5290958</c:v>
+                </c:pt>
+                <c:pt idx="5">
+                  <c:v>1092269</c:v>
+                </c:pt>
+                <c:pt idx="6">
+                  <c:v>1073693</c:v>
+                </c:pt>
+                <c:pt idx="7">
+                  <c:v>1225855</c:v>
+                </c:pt>
+              </c:numCache>
+            </c:numRef>
+          </c:val>
+          <c:smooth val="0"/>
+        </c:ser>
+        <c:dLbls>
+          <c:showLegendKey val="0"/>
+          <c:showVal val="0"/>
+          <c:showCatName val="0"/>
+          <c:showSerName val="0"/>
+          <c:showPercent val="0"/>
+          <c:showBubbleSize val="0"/>
+        </c:dLbls>
+        <c:marker val="1"/>
+        <c:smooth val="0"/>
+        <c:axId val="39248256"/>
+        <c:axId val="39257216"/>
+      </c:lineChart>
+      <c:catAx>
+        <c:axId val="39248256"/>
+        <c:scaling>
+          <c:orientation val="minMax"/>
+        </c:scaling>
+        <c:delete val="0"/>
+        <c:axPos val="b"/>
+        <c:title>
+          <c:tx>
+            <c:rich>
+              <a:bodyPr/>
+              <a:lstStyle/>
+              <a:p>
+                <a:pPr>
+                  <a:defRPr sz="3200" b="1"/>
+                </a:pPr>
+                <a:r>
+                  <a:rPr lang="en-US" sz="3200" b="1"/>
+                  <a:t>Number of threads</a:t>
+                </a:r>
+              </a:p>
+            </c:rich>
+          </c:tx>
+          <c:layout/>
+          <c:overlay val="0"/>
+        </c:title>
+        <c:numFmt formatCode="General" sourceLinked="1"/>
+        <c:majorTickMark val="out"/>
+        <c:minorTickMark val="none"/>
+        <c:tickLblPos val="nextTo"/>
+        <c:crossAx val="39257216"/>
+        <c:crosses val="autoZero"/>
+        <c:auto val="1"/>
+        <c:lblAlgn val="ctr"/>
+        <c:lblOffset val="100"/>
+        <c:noMultiLvlLbl val="0"/>
+      </c:catAx>
+      <c:valAx>
+        <c:axId val="39257216"/>
+        <c:scaling>
+          <c:orientation val="minMax"/>
+        </c:scaling>
+        <c:delete val="0"/>
+        <c:axPos val="l"/>
+        <c:majorGridlines/>
+        <c:title>
+          <c:tx>
+            <c:rich>
+              <a:bodyPr rot="-5400000" vert="horz"/>
+              <a:lstStyle/>
+              <a:p>
+                <a:pPr>
+                  <a:defRPr sz="2800" b="1"/>
+                </a:pPr>
+                <a:r>
+                  <a:rPr lang="en-US" sz="2800" b="1"/>
+                  <a:t>Iterations per second</a:t>
+                </a:r>
+              </a:p>
+            </c:rich>
+          </c:tx>
+          <c:layout/>
+          <c:overlay val="0"/>
+        </c:title>
+        <c:numFmt formatCode="_(* #,##0.00_);_(* \(#,##0.00\);_(* &quot;-&quot;??_);_(@_)" sourceLinked="1"/>
+        <c:majorTickMark val="out"/>
+        <c:minorTickMark val="none"/>
+        <c:tickLblPos val="nextTo"/>
+        <c:txPr>
+          <a:bodyPr/>
+          <a:lstStyle/>
+          <a:p>
+            <a:pPr>
+              <a:defRPr sz="2400"/>
+            </a:pPr>
+            <a:endParaRPr lang="en-US"/>
+          </a:p>
+        </c:txPr>
+        <c:crossAx val="39248256"/>
+        <c:crosses val="autoZero"/>
+        <c:crossBetween val="between"/>
+      </c:valAx>
+    </c:plotArea>
+    <c:legend>
+      <c:legendPos val="r"/>
+      <c:layout/>
+      <c:overlay val="0"/>
+    </c:legend>
+    <c:plotVisOnly val="1"/>
+    <c:dispBlanksAs val="gap"/>
+    <c:showDLblsOverMax val="0"/>
+  </c:chart>
+  <c:txPr>
+    <a:bodyPr/>
+    <a:lstStyle/>
+    <a:p>
+      <a:pPr>
+        <a:defRPr sz="3600"/>
+      </a:pPr>
+      <a:endParaRPr lang="en-US"/>
+    </a:p>
+  </c:txPr>
   <c:externalData r:id="rId1">
     <c:autoUpdate val="0"/>
   </c:externalData>
@@ -4367,15 +4817,7 @@
                   <a:schemeClr val="tx1"/>
                 </a:solidFill>
               </a:rPr>
-              <a:t>Lock </a:t>
-            </a:r>
-            <a:r>
-              <a:rPr lang="en-US" sz="4400" b="0" dirty="0" smtClean="0">
-                <a:solidFill>
-                  <a:schemeClr val="tx1"/>
-                </a:solidFill>
-              </a:rPr>
-              <a:t>Variations</a:t>
+              <a:t>Lock Variations</a:t>
             </a:r>
           </a:p>
           <a:p>
@@ -4402,11 +4844,6 @@
               </a:rPr>
               <a:t> Mutex</a:t>
             </a:r>
-            <a:endParaRPr lang="en-US" sz="4400" b="0" dirty="0" smtClean="0">
-              <a:solidFill>
-                <a:schemeClr val="tx1"/>
-              </a:solidFill>
-            </a:endParaRPr>
           </a:p>
           <a:p>
             <a:pPr marL="1028700" lvl="1" indent="-571500" algn="l" eaLnBrk="0" hangingPunct="0">
@@ -4424,11 +4861,6 @@
               </a:rPr>
               <a:t>Test-and-Set (3 Variations)</a:t>
             </a:r>
-            <a:endParaRPr lang="en-US" sz="4400" b="0" dirty="0" smtClean="0">
-              <a:solidFill>
-                <a:schemeClr val="tx1"/>
-              </a:solidFill>
-            </a:endParaRPr>
           </a:p>
           <a:p>
             <a:pPr marL="1028700" lvl="1" indent="-571500" algn="l" eaLnBrk="0" hangingPunct="0">
@@ -4446,11 +4878,6 @@
               </a:rPr>
               <a:t>Ticket (2 Variations)</a:t>
             </a:r>
-            <a:endParaRPr lang="en-US" sz="4400" b="0" dirty="0" smtClean="0">
-              <a:solidFill>
-                <a:schemeClr val="tx1"/>
-              </a:solidFill>
-            </a:endParaRPr>
           </a:p>
           <a:p>
             <a:pPr lvl="1" algn="l" eaLnBrk="0" hangingPunct="0">
@@ -4478,21 +4905,8 @@
                   <a:schemeClr val="tx1"/>
                 </a:solidFill>
               </a:rPr>
-              <a:t>Lockless </a:t>
-            </a:r>
-            <a:r>
-              <a:rPr lang="en-US" sz="4400" b="0" dirty="0" smtClean="0">
-                <a:solidFill>
-                  <a:schemeClr val="tx1"/>
-                </a:solidFill>
-              </a:rPr>
-              <a:t>Variations</a:t>
-            </a:r>
-            <a:endParaRPr lang="en-US" sz="4400" b="0" dirty="0" smtClean="0">
-              <a:solidFill>
-                <a:schemeClr val="tx1"/>
-              </a:solidFill>
-            </a:endParaRPr>
+              <a:t>Lockless Variations</a:t>
+            </a:r>
           </a:p>
           <a:p>
             <a:pPr marL="1028700" lvl="1" indent="-571500" algn="l" eaLnBrk="0" hangingPunct="0">
@@ -4590,11 +5004,6 @@
               </a:rPr>
               <a:t>Compared each on 3 systems</a:t>
             </a:r>
-            <a:endParaRPr lang="en-US" sz="4400" b="0" dirty="0" smtClean="0">
-              <a:solidFill>
-                <a:schemeClr val="tx1"/>
-              </a:solidFill>
-            </a:endParaRPr>
           </a:p>
           <a:p>
             <a:pPr algn="l" eaLnBrk="0" hangingPunct="0">
@@ -4733,322 +5142,6 @@
           <a:lstStyle/>
           <a:p>
             <a:endParaRPr lang="en-IE"/>
-          </a:p>
-        </p:txBody>
-      </p:sp>
-      <p:sp>
-        <p:nvSpPr>
-          <p:cNvPr id="3080" name="AutoShape 83"/>
-          <p:cNvSpPr>
-            <a:spLocks noChangeArrowheads="1"/>
-          </p:cNvSpPr>
-          <p:nvPr/>
-        </p:nvSpPr>
-        <p:spPr bwMode="auto">
-          <a:xfrm>
-            <a:off x="15516225" y="8713787"/>
-            <a:ext cx="13144500" cy="10008432"/>
-          </a:xfrm>
-          <a:prstGeom prst="roundRect">
-            <a:avLst>
-              <a:gd name="adj" fmla="val 3481"/>
-            </a:avLst>
-          </a:prstGeom>
-          <a:gradFill rotWithShape="1">
-            <a:gsLst>
-              <a:gs pos="0">
-                <a:srgbClr val="F5F5F5"/>
-              </a:gs>
-              <a:gs pos="100000">
-                <a:srgbClr val="F8F8F8"/>
-              </a:gs>
-            </a:gsLst>
-            <a:path path="shape">
-              <a:fillToRect l="50000" t="50000" r="50000" b="50000"/>
-            </a:path>
-          </a:gradFill>
-          <a:ln w="12700" algn="ctr">
-            <a:solidFill>
-              <a:srgbClr val="EAEAEA"/>
-            </a:solidFill>
-            <a:round/>
-            <a:headEnd/>
-            <a:tailEnd/>
-          </a:ln>
-        </p:spPr>
-        <p:txBody>
-          <a:bodyPr wrap="square" anchor="ctr"/>
-          <a:lstStyle/>
-          <a:p>
-            <a:pPr marL="571500" indent="-571500" algn="l" eaLnBrk="0" hangingPunct="0">
-              <a:spcBef>
-                <a:spcPct val="0"/>
-              </a:spcBef>
-              <a:buFont typeface="Arial" pitchFamily="34" charset="0"/>
-              <a:buChar char="•"/>
-            </a:pPr>
-            <a:r>
-              <a:rPr lang="en-US" sz="4400" b="0" dirty="0" smtClean="0">
-                <a:solidFill>
-                  <a:schemeClr val="tx1"/>
-                </a:solidFill>
-              </a:rPr>
-              <a:t>Compared Data Structure Variations</a:t>
-            </a:r>
-          </a:p>
-          <a:p>
-            <a:pPr marL="1028700" lvl="1" indent="-571500" algn="l" eaLnBrk="0" hangingPunct="0">
-              <a:spcBef>
-                <a:spcPct val="0"/>
-              </a:spcBef>
-              <a:buFont typeface="Arial" pitchFamily="34" charset="0"/>
-              <a:buChar char="•"/>
-            </a:pPr>
-            <a:r>
-              <a:rPr lang="en-US" sz="4400" b="0" dirty="0" smtClean="0">
-                <a:solidFill>
-                  <a:schemeClr val="tx1"/>
-                </a:solidFill>
-              </a:rPr>
-              <a:t>Varied the thread count from 1-128</a:t>
-            </a:r>
-          </a:p>
-          <a:p>
-            <a:pPr marL="1028700" lvl="1" indent="-571500" algn="l" eaLnBrk="0" hangingPunct="0">
-              <a:spcBef>
-                <a:spcPct val="0"/>
-              </a:spcBef>
-              <a:buFont typeface="Arial" pitchFamily="34" charset="0"/>
-              <a:buChar char="•"/>
-            </a:pPr>
-            <a:r>
-              <a:rPr lang="en-US" sz="4400" b="0" dirty="0" smtClean="0">
-                <a:solidFill>
-                  <a:schemeClr val="tx1"/>
-                </a:solidFill>
-              </a:rPr>
-              <a:t>Modified the sizes of the data structures</a:t>
-            </a:r>
-          </a:p>
-          <a:p>
-            <a:pPr marL="1028700" lvl="1" indent="-571500" algn="l" eaLnBrk="0" hangingPunct="0">
-              <a:spcBef>
-                <a:spcPct val="0"/>
-              </a:spcBef>
-              <a:buFont typeface="Arial" pitchFamily="34" charset="0"/>
-              <a:buChar char="•"/>
-            </a:pPr>
-            <a:r>
-              <a:rPr lang="en-US" sz="4400" b="0" dirty="0" smtClean="0">
-                <a:solidFill>
-                  <a:schemeClr val="tx1"/>
-                </a:solidFill>
-              </a:rPr>
-              <a:t>Main Focus was locked vs lockless</a:t>
-            </a:r>
-          </a:p>
-          <a:p>
-            <a:pPr marL="571500" indent="-571500" algn="l" eaLnBrk="0" hangingPunct="0">
-              <a:spcBef>
-                <a:spcPct val="0"/>
-              </a:spcBef>
-              <a:buFont typeface="Arial" pitchFamily="34" charset="0"/>
-              <a:buChar char="•"/>
-            </a:pPr>
-            <a:r>
-              <a:rPr lang="en-US" sz="4400" b="0" dirty="0" smtClean="0">
-                <a:solidFill>
-                  <a:schemeClr val="tx1"/>
-                </a:solidFill>
-              </a:rPr>
-              <a:t>Used Hardware Performance Counters</a:t>
-            </a:r>
-          </a:p>
-          <a:p>
-            <a:pPr marL="1028700" lvl="1" indent="-571500" algn="l" eaLnBrk="0" hangingPunct="0">
-              <a:spcBef>
-                <a:spcPct val="0"/>
-              </a:spcBef>
-              <a:buFont typeface="Arial" pitchFamily="34" charset="0"/>
-              <a:buChar char="•"/>
-            </a:pPr>
-            <a:r>
-              <a:rPr lang="en-US" sz="4400" b="0" dirty="0" smtClean="0">
-                <a:solidFill>
-                  <a:schemeClr val="tx1"/>
-                </a:solidFill>
-              </a:rPr>
-              <a:t>Special Registers</a:t>
-            </a:r>
-          </a:p>
-          <a:p>
-            <a:pPr marL="1028700" lvl="1" indent="-571500" algn="l" eaLnBrk="0" hangingPunct="0">
-              <a:spcBef>
-                <a:spcPct val="0"/>
-              </a:spcBef>
-              <a:buFont typeface="Arial" pitchFamily="34" charset="0"/>
-              <a:buChar char="•"/>
-            </a:pPr>
-            <a:r>
-              <a:rPr lang="en-US" sz="4400" b="0" dirty="0" smtClean="0">
-                <a:solidFill>
-                  <a:schemeClr val="tx1"/>
-                </a:solidFill>
-              </a:rPr>
-              <a:t>Used for performance analysis</a:t>
-            </a:r>
-          </a:p>
-          <a:p>
-            <a:pPr marL="1028700" lvl="1" indent="-571500" algn="l" eaLnBrk="0" hangingPunct="0">
-              <a:spcBef>
-                <a:spcPct val="0"/>
-              </a:spcBef>
-              <a:buFont typeface="Arial" pitchFamily="34" charset="0"/>
-              <a:buChar char="•"/>
-            </a:pPr>
-            <a:r>
-              <a:rPr lang="en-US" sz="4400" b="0" dirty="0" smtClean="0">
-                <a:solidFill>
-                  <a:schemeClr val="tx1"/>
-                </a:solidFill>
-              </a:rPr>
-              <a:t>Record cache misses, </a:t>
-            </a:r>
-            <a:r>
-              <a:rPr lang="en-US" sz="4400" b="0" dirty="0" err="1" smtClean="0">
-                <a:solidFill>
-                  <a:schemeClr val="tx1"/>
-                </a:solidFill>
-              </a:rPr>
-              <a:t>cpu</a:t>
-            </a:r>
-            <a:r>
-              <a:rPr lang="en-US" sz="4400" b="0" dirty="0" smtClean="0">
-                <a:solidFill>
-                  <a:schemeClr val="tx1"/>
-                </a:solidFill>
-              </a:rPr>
-              <a:t> cycles </a:t>
-            </a:r>
-            <a:r>
-              <a:rPr lang="en-US" sz="4400" b="0" dirty="0" err="1" smtClean="0">
-                <a:solidFill>
-                  <a:schemeClr val="tx1"/>
-                </a:solidFill>
-              </a:rPr>
-              <a:t>etc</a:t>
-            </a:r>
-            <a:endParaRPr lang="en-US" sz="4400" b="0" dirty="0" smtClean="0">
-              <a:solidFill>
-                <a:schemeClr val="tx1"/>
-              </a:solidFill>
-            </a:endParaRPr>
-          </a:p>
-          <a:p>
-            <a:pPr marL="571500" indent="-571500" algn="l" eaLnBrk="0" hangingPunct="0">
-              <a:spcBef>
-                <a:spcPct val="0"/>
-              </a:spcBef>
-              <a:buFont typeface="Arial" pitchFamily="34" charset="0"/>
-              <a:buChar char="•"/>
-            </a:pPr>
-            <a:r>
-              <a:rPr lang="en-US" sz="4400" b="0" dirty="0" smtClean="0">
-                <a:solidFill>
-                  <a:schemeClr val="tx1"/>
-                </a:solidFill>
-              </a:rPr>
-              <a:t>Ran each data structure variation 7 times and calculated the median to ensure accurate results</a:t>
-            </a:r>
-            <a:endParaRPr lang="en-US" sz="4400" b="0" dirty="0">
-              <a:solidFill>
-                <a:schemeClr val="tx1"/>
-              </a:solidFill>
-            </a:endParaRPr>
-          </a:p>
-          <a:p>
-            <a:pPr marL="571500" indent="-571500" algn="l" eaLnBrk="0" hangingPunct="0">
-              <a:spcBef>
-                <a:spcPct val="0"/>
-              </a:spcBef>
-              <a:buFont typeface="Arial" pitchFamily="34" charset="0"/>
-              <a:buChar char="•"/>
-            </a:pPr>
-            <a:r>
-              <a:rPr lang="en-US" sz="4400" b="0" dirty="0" smtClean="0">
-                <a:solidFill>
-                  <a:schemeClr val="tx1"/>
-                </a:solidFill>
-              </a:rPr>
-              <a:t>System Details</a:t>
-            </a:r>
-          </a:p>
-          <a:p>
-            <a:pPr marL="1028700" lvl="1" indent="-571500" algn="l" eaLnBrk="0" hangingPunct="0">
-              <a:spcBef>
-                <a:spcPct val="0"/>
-              </a:spcBef>
-              <a:buFont typeface="Arial" pitchFamily="34" charset="0"/>
-              <a:buChar char="•"/>
-            </a:pPr>
-            <a:r>
-              <a:rPr lang="en-US" sz="4400" b="0" dirty="0" smtClean="0">
-                <a:solidFill>
-                  <a:schemeClr val="tx1"/>
-                </a:solidFill>
-              </a:rPr>
-              <a:t>Local Machine (Sandy Bridge 32nm 4 Cores)</a:t>
-            </a:r>
-          </a:p>
-          <a:p>
-            <a:pPr marL="1028700" lvl="1" indent="-571500" algn="l" eaLnBrk="0" hangingPunct="0">
-              <a:spcBef>
-                <a:spcPct val="0"/>
-              </a:spcBef>
-              <a:buFont typeface="Arial" pitchFamily="34" charset="0"/>
-              <a:buChar char="•"/>
-            </a:pPr>
-            <a:r>
-              <a:rPr lang="en-US" sz="4400" b="0" dirty="0" smtClean="0">
-                <a:solidFill>
-                  <a:schemeClr val="tx1"/>
-                </a:solidFill>
-              </a:rPr>
-              <a:t>Stoker (Ivy Bridge 22nm 32 Cores)</a:t>
-            </a:r>
-          </a:p>
-          <a:p>
-            <a:pPr marL="1028700" lvl="1" indent="-571500" algn="l" eaLnBrk="0" hangingPunct="0">
-              <a:spcBef>
-                <a:spcPct val="0"/>
-              </a:spcBef>
-              <a:buFont typeface="Arial" pitchFamily="34" charset="0"/>
-              <a:buChar char="•"/>
-            </a:pPr>
-            <a:r>
-              <a:rPr lang="en-US" sz="4400" b="0" dirty="0" smtClean="0">
-                <a:solidFill>
-                  <a:schemeClr val="tx1"/>
-                </a:solidFill>
-              </a:rPr>
-              <a:t>Cube (</a:t>
-            </a:r>
-            <a:r>
-              <a:rPr lang="en-US" sz="4400" b="0" dirty="0" err="1" smtClean="0">
-                <a:solidFill>
-                  <a:schemeClr val="tx1"/>
-                </a:solidFill>
-              </a:rPr>
-              <a:t>Gainestown</a:t>
-            </a:r>
-            <a:r>
-              <a:rPr lang="en-US" sz="4400" b="0" dirty="0" smtClean="0">
-                <a:solidFill>
-                  <a:schemeClr val="tx1"/>
-                </a:solidFill>
-              </a:rPr>
-              <a:t> 45nm 16 Cores)</a:t>
-            </a:r>
           </a:p>
         </p:txBody>
       </p:sp>
@@ -5357,36 +5450,6 @@
             <a:endParaRPr lang="en-US" sz="4400" b="0" dirty="0" smtClean="0">
               <a:solidFill>
                 <a:schemeClr val="tx1"/>
-              </a:solidFill>
-            </a:endParaRPr>
-          </a:p>
-          <a:p>
-            <a:pPr marL="342900" indent="-342900" algn="l" eaLnBrk="0" hangingPunct="0">
-              <a:spcBef>
-                <a:spcPct val="0"/>
-              </a:spcBef>
-              <a:buFont typeface="Arial" pitchFamily="34" charset="0"/>
-              <a:buChar char="•"/>
-            </a:pPr>
-            <a:r>
-              <a:rPr lang="en-US" sz="4400" b="0" dirty="0" smtClean="0">
-                <a:solidFill>
-                  <a:schemeClr val="tx1"/>
-                </a:solidFill>
-              </a:rPr>
-              <a:t>Not a lot of data </a:t>
-            </a:r>
-            <a:r>
-              <a:rPr lang="en-US" sz="4400" b="0" dirty="0" smtClean="0">
-                <a:solidFill>
-                  <a:schemeClr val="tx1"/>
-                </a:solidFill>
-              </a:rPr>
-              <a:t>exists comparing concurrent data structures</a:t>
-            </a:r>
-            <a:endParaRPr lang="en-US" sz="4400" b="0" dirty="0" smtClean="0">
-              <a:solidFill>
-                <a:sysClr val="windowText" lastClr="000000"/>
               </a:solidFill>
             </a:endParaRPr>
           </a:p>
@@ -5504,8 +5567,8 @@
         </p:nvSpPr>
         <p:spPr bwMode="auto">
           <a:xfrm>
-            <a:off x="15516225" y="32907796"/>
-            <a:ext cx="13106400" cy="7308812"/>
+            <a:off x="15543607" y="34499382"/>
+            <a:ext cx="13106400" cy="5971300"/>
           </a:xfrm>
           <a:prstGeom prst="roundRect">
             <a:avLst>
@@ -5551,21 +5614,8 @@
                   <a:schemeClr val="tx1"/>
                 </a:solidFill>
               </a:rPr>
-              <a:t>The project was successful in </a:t>
-            </a:r>
-            <a:r>
-              <a:rPr lang="en-US" sz="4400" b="0" dirty="0" smtClean="0">
-                <a:solidFill>
-                  <a:schemeClr val="tx1"/>
-                </a:solidFill>
-              </a:rPr>
-              <a:t>performing an in-depth comparison of 3 data structures</a:t>
-            </a:r>
-            <a:endParaRPr lang="en-US" sz="4400" b="0" dirty="0" smtClean="0">
-              <a:solidFill>
-                <a:schemeClr val="tx1"/>
-              </a:solidFill>
-            </a:endParaRPr>
+              <a:t>The project was successful in performing an in-depth comparison of 3 data structures</a:t>
+            </a:r>
           </a:p>
           <a:p>
             <a:pPr marL="571500" indent="-571500" algn="l" eaLnBrk="0" hangingPunct="0">
@@ -5581,7 +5631,7 @@
                   <a:schemeClr val="tx1"/>
                 </a:solidFill>
               </a:rPr>
-              <a:t>Lockless algorithms were </a:t>
+              <a:t>Lockless </a:t>
             </a:r>
             <a:r>
               <a:rPr lang="en-US" sz="4400" b="0" dirty="0" smtClean="0">
@@ -5589,15 +5639,7 @@
                   <a:schemeClr val="tx1"/>
                 </a:solidFill>
               </a:rPr>
-              <a:t>mostly</a:t>
-            </a:r>
-            <a:r>
-              <a:rPr lang="en-US" sz="4400" b="0" dirty="0" smtClean="0">
-                <a:solidFill>
-                  <a:schemeClr val="tx1"/>
-                </a:solidFill>
-              </a:rPr>
-              <a:t> faster</a:t>
+              <a:t>algorithms were mostly faster</a:t>
             </a:r>
           </a:p>
           <a:p>
@@ -5616,11 +5658,6 @@
               </a:rPr>
               <a:t>Some exceptions</a:t>
             </a:r>
-            <a:endParaRPr lang="en-US" sz="4400" b="0" dirty="0" smtClean="0">
-              <a:solidFill>
-                <a:schemeClr val="tx1"/>
-              </a:solidFill>
-            </a:endParaRPr>
           </a:p>
           <a:p>
             <a:pPr marL="571500" indent="-571500" algn="l" eaLnBrk="0" hangingPunct="0">
@@ -5636,63 +5673,7 @@
                   <a:schemeClr val="tx1"/>
                 </a:solidFill>
               </a:rPr>
-              <a:t>The </a:t>
-            </a:r>
-            <a:r>
-              <a:rPr lang="en-US" sz="4400" b="0" dirty="0" smtClean="0">
-                <a:solidFill>
-                  <a:schemeClr val="tx1"/>
-                </a:solidFill>
-              </a:rPr>
-              <a:t>linked list </a:t>
-            </a:r>
-            <a:r>
-              <a:rPr lang="en-US" sz="4400" b="0" dirty="0" smtClean="0">
-                <a:solidFill>
-                  <a:schemeClr val="tx1"/>
-                </a:solidFill>
-              </a:rPr>
-              <a:t>had</a:t>
-            </a:r>
-            <a:r>
-              <a:rPr lang="en-US" sz="4400" b="0" dirty="0" smtClean="0">
-                <a:solidFill>
-                  <a:schemeClr val="tx1"/>
-                </a:solidFill>
-              </a:rPr>
-              <a:t> </a:t>
-            </a:r>
-            <a:r>
-              <a:rPr lang="en-US" sz="4400" b="0" dirty="0" smtClean="0">
-                <a:solidFill>
-                  <a:schemeClr val="tx1"/>
-                </a:solidFill>
-              </a:rPr>
-              <a:t>the </a:t>
-            </a:r>
-            <a:r>
-              <a:rPr lang="en-US" sz="4400" b="0" dirty="0" smtClean="0">
-                <a:solidFill>
-                  <a:schemeClr val="tx1"/>
-                </a:solidFill>
-              </a:rPr>
-              <a:t>best </a:t>
-            </a:r>
-            <a:r>
-              <a:rPr lang="en-US" sz="4400" b="0" dirty="0" smtClean="0">
-                <a:solidFill>
-                  <a:schemeClr val="tx1"/>
-                </a:solidFill>
-              </a:rPr>
-              <a:t>performance </a:t>
-            </a:r>
-            <a:r>
-              <a:rPr lang="en-US" sz="4400" b="0" dirty="0" smtClean="0">
-                <a:solidFill>
-                  <a:schemeClr val="tx1"/>
-                </a:solidFill>
-              </a:rPr>
-              <a:t>gain</a:t>
+              <a:t>The linked list had the best performance gain</a:t>
             </a:r>
           </a:p>
           <a:p>
@@ -5709,15 +5690,7 @@
                   <a:schemeClr val="tx1"/>
                 </a:solidFill>
               </a:rPr>
-              <a:t>Using Lockless algorithm versus Lock</a:t>
-            </a:r>
-            <a:r>
-              <a:rPr lang="en-US" sz="4400" b="0" dirty="0" smtClean="0">
-                <a:solidFill>
-                  <a:schemeClr val="tx1"/>
-                </a:solidFill>
-              </a:rPr>
-              <a:t> </a:t>
+              <a:t>Using Lockless algorithm versus Lock </a:t>
             </a:r>
           </a:p>
           <a:p>
@@ -5734,23 +5707,7 @@
                   <a:schemeClr val="tx1"/>
                 </a:solidFill>
               </a:rPr>
-              <a:t>The </a:t>
-            </a:r>
-            <a:r>
-              <a:rPr lang="en-US" sz="4400" b="0" dirty="0" smtClean="0">
-                <a:solidFill>
-                  <a:schemeClr val="tx1"/>
-                </a:solidFill>
-              </a:rPr>
-              <a:t>hash </a:t>
-            </a:r>
-            <a:r>
-              <a:rPr lang="en-US" sz="4400" b="0" dirty="0" smtClean="0">
-                <a:solidFill>
-                  <a:schemeClr val="tx1"/>
-                </a:solidFill>
-              </a:rPr>
-              <a:t>table had the worst performance</a:t>
+              <a:t>The hash table had the worst performance</a:t>
             </a:r>
           </a:p>
           <a:p>
@@ -5775,29 +5732,8 @@
                   <a:schemeClr val="tx1"/>
                 </a:solidFill>
               </a:rPr>
-              <a:t>utperformed </a:t>
-            </a:r>
-            <a:r>
-              <a:rPr lang="en-US" sz="4400" b="0" dirty="0" smtClean="0">
-                <a:solidFill>
-                  <a:schemeClr val="tx1"/>
-                </a:solidFill>
-              </a:rPr>
-              <a:t>by </a:t>
-            </a:r>
-            <a:r>
-              <a:rPr lang="en-US" sz="4400" b="0" dirty="0" smtClean="0">
-                <a:solidFill>
-                  <a:schemeClr val="tx1"/>
-                </a:solidFill>
-              </a:rPr>
-              <a:t>the locked variations</a:t>
-            </a:r>
-            <a:endParaRPr lang="en-US" sz="4400" b="0" dirty="0" smtClean="0">
-              <a:solidFill>
-                <a:schemeClr val="tx1"/>
-              </a:solidFill>
-            </a:endParaRPr>
+              <a:t>utperformed by the locked variations</a:t>
+            </a:r>
           </a:p>
         </p:txBody>
       </p:sp>
@@ -6033,7 +5969,7 @@
         </p:nvSpPr>
         <p:spPr bwMode="auto">
           <a:xfrm>
-            <a:off x="16505238" y="31644328"/>
+            <a:off x="16522700" y="33460894"/>
             <a:ext cx="4663136" cy="1030410"/>
           </a:xfrm>
           <a:prstGeom prst="roundRect">
@@ -6130,7 +6066,7 @@
         </p:blipFill>
         <p:spPr bwMode="auto">
           <a:xfrm>
-            <a:off x="15732126" y="31953891"/>
+            <a:off x="15548370" y="33943616"/>
             <a:ext cx="501650" cy="501650"/>
           </a:xfrm>
           <a:prstGeom prst="rect">
@@ -6155,7 +6091,7 @@
         </p:nvSpPr>
         <p:spPr bwMode="auto">
           <a:xfrm>
-            <a:off x="16238538" y="32657153"/>
+            <a:off x="15900127" y="34445266"/>
             <a:ext cx="12484100" cy="46038"/>
           </a:xfrm>
           <a:prstGeom prst="line">
@@ -6618,14 +6554,14 @@
           <p:nvPr>
             <p:extLst>
               <p:ext uri="{D42A27DB-BD31-4B8C-83A1-F6EECF244321}">
-                <p14:modId xmlns:p14="http://schemas.microsoft.com/office/powerpoint/2010/main" val="2379419837"/>
+                <p14:modId xmlns:p14="http://schemas.microsoft.com/office/powerpoint/2010/main" val="1312382076"/>
               </p:ext>
             </p:extLst>
           </p:nvPr>
         </p:nvGraphicFramePr>
         <p:xfrm>
-          <a:off x="15516225" y="19285621"/>
-          <a:ext cx="13106400" cy="9121674"/>
+          <a:off x="14821868" y="21457919"/>
+          <a:ext cx="14497768" cy="9121674"/>
         </p:xfrm>
         <a:graphic>
           <a:graphicData uri="http://schemas.openxmlformats.org/drawingml/2006/chart">
@@ -6635,21 +6571,45 @@
       </p:graphicFrame>
       <p:graphicFrame>
         <p:nvGraphicFramePr>
-          <p:cNvPr id="28" name="Table 27"/>
+          <p:cNvPr id="30" name="Chart 29"/>
+          <p:cNvGraphicFramePr>
+            <a:graphicFrameLocks/>
+          </p:cNvGraphicFramePr>
+          <p:nvPr>
+            <p:extLst>
+              <p:ext uri="{D42A27DB-BD31-4B8C-83A1-F6EECF244321}">
+                <p14:modId xmlns:p14="http://schemas.microsoft.com/office/powerpoint/2010/main" val="3454239916"/>
+              </p:ext>
+            </p:extLst>
+          </p:nvPr>
+        </p:nvGraphicFramePr>
+        <p:xfrm>
+          <a:off x="14821868" y="8701014"/>
+          <a:ext cx="14971189" cy="9607005"/>
+        </p:xfrm>
+        <a:graphic>
+          <a:graphicData uri="http://schemas.openxmlformats.org/drawingml/2006/chart">
+            <c:chart xmlns:c="http://schemas.openxmlformats.org/drawingml/2006/chart" xmlns:r="http://schemas.openxmlformats.org/officeDocument/2006/relationships" r:id="rId9"/>
+          </a:graphicData>
+        </a:graphic>
+      </p:graphicFrame>
+      <p:graphicFrame>
+        <p:nvGraphicFramePr>
+          <p:cNvPr id="31" name="Table 30"/>
           <p:cNvGraphicFramePr>
             <a:graphicFrameLocks noGrp="1"/>
           </p:cNvGraphicFramePr>
           <p:nvPr>
             <p:extLst>
               <p:ext uri="{D42A27DB-BD31-4B8C-83A1-F6EECF244321}">
-                <p14:modId xmlns:p14="http://schemas.microsoft.com/office/powerpoint/2010/main" val="626474600"/>
+                <p14:modId xmlns:p14="http://schemas.microsoft.com/office/powerpoint/2010/main" val="1385267036"/>
               </p:ext>
             </p:extLst>
           </p:nvPr>
         </p:nvGraphicFramePr>
         <p:xfrm>
-          <a:off x="15892463" y="28401805"/>
-          <a:ext cx="12118701" cy="3323068"/>
+          <a:off x="14847923" y="18308019"/>
+          <a:ext cx="14497768" cy="2676996"/>
         </p:xfrm>
         <a:graphic>
           <a:graphicData uri="http://schemas.openxmlformats.org/drawingml/2006/table">
@@ -6658,11 +6618,22 @@
                 <a:tableStyleId>{21E4AEA4-8DFA-4A89-87EB-49C32662AFE0}</a:tableStyleId>
               </a:tblPr>
               <a:tblGrid>
-                <a:gridCol w="4039567"/>
-                <a:gridCol w="4039567"/>
-                <a:gridCol w="4039567"/>
+                <a:gridCol w="3624442"/>
+                <a:gridCol w="3624442"/>
+                <a:gridCol w="3624442"/>
+                <a:gridCol w="3624442"/>
               </a:tblGrid>
-              <a:tr h="594734">
+              <a:tr h="699292">
+                <a:tc>
+                  <a:txBody>
+                    <a:bodyPr/>
+                    <a:lstStyle/>
+                    <a:p>
+                      <a:endParaRPr lang="en-IE" sz="3200" dirty="0"/>
+                    </a:p>
+                  </a:txBody>
+                  <a:tcPr/>
+                </a:tc>
                 <a:tc>
                   <a:txBody>
                     <a:bodyPr/>
@@ -6670,11 +6641,7 @@
                     <a:p>
                       <a:r>
                         <a:rPr lang="en-IE" sz="3200" dirty="0" smtClean="0"/>
-                        <a:t>Hardware</a:t>
-                      </a:r>
-                      <a:r>
-                        <a:rPr lang="en-IE" sz="3200" baseline="0" dirty="0" smtClean="0"/>
-                        <a:t> Counters</a:t>
+                        <a:t>Global Lock</a:t>
                       </a:r>
                       <a:endParaRPr lang="en-IE" sz="3200" dirty="0"/>
                     </a:p>
@@ -6688,11 +6655,11 @@
                     <a:p>
                       <a:r>
                         <a:rPr lang="en-IE" sz="3200" dirty="0" smtClean="0"/>
-                        <a:t>Cube </a:t>
+                        <a:t>Bucket</a:t>
                       </a:r>
                       <a:r>
-                        <a:rPr lang="en-IE" sz="3200" dirty="0" smtClean="0"/>
-                        <a:t>Lockless</a:t>
+                        <a:rPr lang="en-IE" sz="3200" baseline="0" dirty="0" smtClean="0"/>
+                        <a:t> Lock</a:t>
                       </a:r>
                       <a:endParaRPr lang="en-IE" sz="3200" dirty="0"/>
                     </a:p>
@@ -6706,7 +6673,7 @@
                     <a:p>
                       <a:r>
                         <a:rPr lang="en-IE" sz="3200" dirty="0" smtClean="0"/>
-                        <a:t>Cube Locked</a:t>
+                        <a:t>Lockless</a:t>
                       </a:r>
                       <a:endParaRPr lang="en-IE" sz="3200" dirty="0"/>
                     </a:p>
@@ -6714,7 +6681,7 @@
                   <a:tcPr/>
                 </a:tc>
               </a:tr>
-              <a:tr h="1026527">
+              <a:tr h="699292">
                 <a:tc>
                   <a:txBody>
                     <a:bodyPr/>
@@ -6722,11 +6689,7 @@
                     <a:p>
                       <a:r>
                         <a:rPr lang="en-IE" sz="3200" dirty="0" smtClean="0"/>
-                        <a:t>Stalled</a:t>
-                      </a:r>
-                      <a:r>
-                        <a:rPr lang="en-IE" sz="3200" baseline="0" dirty="0" smtClean="0"/>
-                        <a:t> Front End Cycles</a:t>
+                        <a:t>CPU Cycles</a:t>
                       </a:r>
                       <a:endParaRPr lang="en-IE" sz="3200" dirty="0"/>
                     </a:p>
@@ -6740,7 +6703,7 @@
                     <a:p>
                       <a:r>
                         <a:rPr lang="en-IE" sz="3200" dirty="0" smtClean="0"/>
-                        <a:t>8,603,339,371</a:t>
+                        <a:t>1.13x10^12</a:t>
                       </a:r>
                       <a:endParaRPr lang="en-IE" sz="3200" dirty="0"/>
                     </a:p>
@@ -6754,23 +6717,7 @@
                     <a:p>
                       <a:r>
                         <a:rPr lang="en-IE" sz="3200" dirty="0" smtClean="0"/>
-                        <a:t>28,157,586,014</a:t>
-                      </a:r>
-                      <a:endParaRPr lang="en-IE" sz="3200" dirty="0"/>
-                    </a:p>
-                  </a:txBody>
-                  <a:tcPr/>
-                </a:tc>
-              </a:tr>
-              <a:tr h="1026527">
-                <a:tc>
-                  <a:txBody>
-                    <a:bodyPr/>
-                    <a:lstStyle/>
-                    <a:p>
-                      <a:r>
-                        <a:rPr lang="en-IE" sz="3200" dirty="0" smtClean="0"/>
-                        <a:t>Stalled Back End Cycles</a:t>
+                        <a:t>9.86x10^11</a:t>
                       </a:r>
                       <a:endParaRPr lang="en-IE" sz="3200" dirty="0"/>
                     </a:p>
@@ -6784,7 +6731,31 @@
                     <a:p>
                       <a:r>
                         <a:rPr lang="en-IE" sz="3200" dirty="0" smtClean="0"/>
-                        <a:t>4,290,118,281</a:t>
+                        <a:t>1.09x10^12</a:t>
+                      </a:r>
+                      <a:endParaRPr lang="en-IE" sz="3200" dirty="0"/>
+                    </a:p>
+                  </a:txBody>
+                  <a:tcPr/>
+                </a:tc>
+              </a:tr>
+              <a:tr h="699292">
+                <a:tc>
+                  <a:txBody>
+                    <a:bodyPr/>
+                    <a:lstStyle/>
+                    <a:p>
+                      <a:r>
+                        <a:rPr lang="en-IE" sz="3200" dirty="0" smtClean="0"/>
+                        <a:t>Stalled </a:t>
+                      </a:r>
+                      <a:r>
+                        <a:rPr lang="en-IE" sz="3200" dirty="0" smtClean="0"/>
+                        <a:t>Front</a:t>
+                      </a:r>
+                      <a:r>
+                        <a:rPr lang="en-IE" sz="3200" baseline="0" dirty="0" smtClean="0"/>
+                        <a:t> End</a:t>
                       </a:r>
                       <a:endParaRPr lang="en-IE" sz="3200" dirty="0"/>
                     </a:p>
@@ -6798,27 +6769,7 @@
                     <a:p>
                       <a:r>
                         <a:rPr lang="en-IE" sz="3200" dirty="0" smtClean="0"/>
-                        <a:t>19,235,301,044</a:t>
-                      </a:r>
-                      <a:endParaRPr lang="en-IE" sz="3200" dirty="0"/>
-                    </a:p>
-                  </a:txBody>
-                  <a:tcPr/>
-                </a:tc>
-              </a:tr>
-              <a:tr h="594734">
-                <a:tc>
-                  <a:txBody>
-                    <a:bodyPr/>
-                    <a:lstStyle/>
-                    <a:p>
-                      <a:r>
-                        <a:rPr lang="en-IE" sz="3200" dirty="0" smtClean="0"/>
-                        <a:t>CPU</a:t>
-                      </a:r>
-                      <a:r>
-                        <a:rPr lang="en-IE" sz="3200" baseline="0" dirty="0" smtClean="0"/>
-                        <a:t> Cycles</a:t>
+                        <a:t>1.06x10^12</a:t>
                       </a:r>
                       <a:endParaRPr lang="en-IE" sz="3200" dirty="0"/>
                     </a:p>
@@ -6832,7 +6783,7 @@
                     <a:p>
                       <a:r>
                         <a:rPr lang="en-IE" sz="3200" dirty="0" smtClean="0"/>
-                        <a:t>16,644,060,219</a:t>
+                        <a:t>9.16x10^11</a:t>
                       </a:r>
                       <a:endParaRPr lang="en-IE" sz="3200" dirty="0"/>
                     </a:p>
@@ -6846,7 +6797,294 @@
                     <a:p>
                       <a:r>
                         <a:rPr lang="en-IE" sz="3200" dirty="0" smtClean="0"/>
-                        <a:t>37,007,949,115</a:t>
+                        <a:t>1.02x10^12</a:t>
+                      </a:r>
+                      <a:endParaRPr lang="en-IE" sz="3200" dirty="0"/>
+                    </a:p>
+                  </a:txBody>
+                  <a:tcPr/>
+                </a:tc>
+              </a:tr>
+              <a:tr h="379616">
+                <a:tc>
+                  <a:txBody>
+                    <a:bodyPr/>
+                    <a:lstStyle/>
+                    <a:p>
+                      <a:r>
+                        <a:rPr lang="en-IE" sz="3200" dirty="0" smtClean="0"/>
+                        <a:t>Stalled</a:t>
+                      </a:r>
+                      <a:r>
+                        <a:rPr lang="en-IE" sz="3200" baseline="0" dirty="0" smtClean="0"/>
+                        <a:t> Back End</a:t>
+                      </a:r>
+                      <a:endParaRPr lang="en-IE" sz="3200" dirty="0"/>
+                    </a:p>
+                  </a:txBody>
+                  <a:tcPr/>
+                </a:tc>
+                <a:tc>
+                  <a:txBody>
+                    <a:bodyPr/>
+                    <a:lstStyle/>
+                    <a:p>
+                      <a:r>
+                        <a:rPr lang="en-IE" sz="3200" dirty="0" smtClean="0"/>
+                        <a:t>6.89x10^11</a:t>
+                      </a:r>
+                      <a:endParaRPr lang="en-IE" sz="3200" dirty="0"/>
+                    </a:p>
+                  </a:txBody>
+                  <a:tcPr/>
+                </a:tc>
+                <a:tc>
+                  <a:txBody>
+                    <a:bodyPr/>
+                    <a:lstStyle/>
+                    <a:p>
+                      <a:r>
+                        <a:rPr lang="en-IE" sz="3200" dirty="0" smtClean="0"/>
+                        <a:t>5.43x10^11</a:t>
+                      </a:r>
+                      <a:endParaRPr lang="en-IE" sz="3200" dirty="0"/>
+                    </a:p>
+                  </a:txBody>
+                  <a:tcPr/>
+                </a:tc>
+                <a:tc>
+                  <a:txBody>
+                    <a:bodyPr/>
+                    <a:lstStyle/>
+                    <a:p>
+                      <a:r>
+                        <a:rPr lang="en-IE" sz="3200" dirty="0" smtClean="0"/>
+                        <a:t>6.27x10^11</a:t>
+                      </a:r>
+                      <a:endParaRPr lang="en-IE" sz="3200" dirty="0"/>
+                    </a:p>
+                  </a:txBody>
+                  <a:tcPr/>
+                </a:tc>
+              </a:tr>
+            </a:tbl>
+          </a:graphicData>
+        </a:graphic>
+      </p:graphicFrame>
+      <p:graphicFrame>
+        <p:nvGraphicFramePr>
+          <p:cNvPr id="33" name="Table 32"/>
+          <p:cNvGraphicFramePr>
+            <a:graphicFrameLocks noGrp="1"/>
+          </p:cNvGraphicFramePr>
+          <p:nvPr>
+            <p:extLst>
+              <p:ext uri="{D42A27DB-BD31-4B8C-83A1-F6EECF244321}">
+                <p14:modId xmlns:p14="http://schemas.microsoft.com/office/powerpoint/2010/main" val="2077850279"/>
+              </p:ext>
+            </p:extLst>
+          </p:nvPr>
+        </p:nvGraphicFramePr>
+        <p:xfrm>
+          <a:off x="14847922" y="30579593"/>
+          <a:ext cx="14550990" cy="2676996"/>
+        </p:xfrm>
+        <a:graphic>
+          <a:graphicData uri="http://schemas.openxmlformats.org/drawingml/2006/table">
+            <a:tbl>
+              <a:tblPr firstRow="1" bandRow="1">
+                <a:tableStyleId>{21E4AEA4-8DFA-4A89-87EB-49C32662AFE0}</a:tableStyleId>
+              </a:tblPr>
+              <a:tblGrid>
+                <a:gridCol w="4850330"/>
+                <a:gridCol w="4850330"/>
+                <a:gridCol w="4850330"/>
+              </a:tblGrid>
+              <a:tr h="699292">
+                <a:tc>
+                  <a:txBody>
+                    <a:bodyPr/>
+                    <a:lstStyle/>
+                    <a:p>
+                      <a:endParaRPr lang="en-IE" sz="3200" dirty="0"/>
+                    </a:p>
+                  </a:txBody>
+                  <a:tcPr/>
+                </a:tc>
+                <a:tc>
+                  <a:txBody>
+                    <a:bodyPr/>
+                    <a:lstStyle/>
+                    <a:p>
+                      <a:r>
+                        <a:rPr lang="en-IE" sz="3200" dirty="0" smtClean="0"/>
+                        <a:t>Cube</a:t>
+                      </a:r>
+                      <a:r>
+                        <a:rPr lang="en-IE" sz="3200" baseline="0" dirty="0" smtClean="0"/>
+                        <a:t> Lockless</a:t>
+                      </a:r>
+                      <a:endParaRPr lang="en-IE" sz="3200" dirty="0"/>
+                    </a:p>
+                  </a:txBody>
+                  <a:tcPr/>
+                </a:tc>
+                <a:tc>
+                  <a:txBody>
+                    <a:bodyPr/>
+                    <a:lstStyle/>
+                    <a:p>
+                      <a:r>
+                        <a:rPr lang="en-IE" sz="3200" dirty="0" smtClean="0"/>
+                        <a:t>Cube</a:t>
+                      </a:r>
+                      <a:r>
+                        <a:rPr lang="en-IE" sz="3200" baseline="0" dirty="0" smtClean="0"/>
+                        <a:t> Locked</a:t>
+                      </a:r>
+                      <a:endParaRPr lang="en-IE" sz="3200" dirty="0"/>
+                    </a:p>
+                  </a:txBody>
+                  <a:tcPr/>
+                </a:tc>
+              </a:tr>
+              <a:tr h="699292">
+                <a:tc>
+                  <a:txBody>
+                    <a:bodyPr/>
+                    <a:lstStyle/>
+                    <a:p>
+                      <a:r>
+                        <a:rPr lang="en-IE" sz="3200" dirty="0" smtClean="0"/>
+                        <a:t>CPU Cycles</a:t>
+                      </a:r>
+                      <a:endParaRPr lang="en-IE" sz="3200" dirty="0"/>
+                    </a:p>
+                  </a:txBody>
+                  <a:tcPr/>
+                </a:tc>
+                <a:tc>
+                  <a:txBody>
+                    <a:bodyPr/>
+                    <a:lstStyle/>
+                    <a:p>
+                      <a:r>
+                        <a:rPr lang="en-IE" sz="3200" dirty="0" smtClean="0"/>
+                        <a:t>1.66x10^10</a:t>
+                      </a:r>
+                      <a:endParaRPr lang="en-IE" sz="3200" dirty="0"/>
+                    </a:p>
+                  </a:txBody>
+                  <a:tcPr/>
+                </a:tc>
+                <a:tc>
+                  <a:txBody>
+                    <a:bodyPr/>
+                    <a:lstStyle/>
+                    <a:p>
+                      <a:r>
+                        <a:rPr lang="en-IE" sz="3200" dirty="0" smtClean="0"/>
+                        <a:t>3.70x10^10</a:t>
+                      </a:r>
+                      <a:endParaRPr lang="en-IE" sz="3200" dirty="0"/>
+                    </a:p>
+                  </a:txBody>
+                  <a:tcPr/>
+                </a:tc>
+              </a:tr>
+              <a:tr h="699292">
+                <a:tc>
+                  <a:txBody>
+                    <a:bodyPr/>
+                    <a:lstStyle/>
+                    <a:p>
+                      <a:r>
+                        <a:rPr lang="en-IE" sz="3200" dirty="0" smtClean="0"/>
+                        <a:t>Stalled </a:t>
+                      </a:r>
+                      <a:r>
+                        <a:rPr lang="en-IE" sz="3200" dirty="0" smtClean="0"/>
+                        <a:t>Front</a:t>
+                      </a:r>
+                      <a:r>
+                        <a:rPr lang="en-IE" sz="3200" baseline="0" dirty="0" smtClean="0"/>
+                        <a:t> End</a:t>
+                      </a:r>
+                      <a:endParaRPr lang="en-IE" sz="3200" dirty="0"/>
+                    </a:p>
+                  </a:txBody>
+                  <a:tcPr/>
+                </a:tc>
+                <a:tc>
+                  <a:txBody>
+                    <a:bodyPr/>
+                    <a:lstStyle/>
+                    <a:p>
+                      <a:r>
+                        <a:rPr lang="en-IE" sz="3200" dirty="0" smtClean="0"/>
+                        <a:t>8.06x10^9</a:t>
+                      </a:r>
+                      <a:endParaRPr lang="en-IE" sz="3200" dirty="0"/>
+                    </a:p>
+                  </a:txBody>
+                  <a:tcPr/>
+                </a:tc>
+                <a:tc>
+                  <a:txBody>
+                    <a:bodyPr/>
+                    <a:lstStyle/>
+                    <a:p>
+                      <a:r>
+                        <a:rPr lang="en-IE" sz="3200" dirty="0" smtClean="0"/>
+                        <a:t>2.81x10^10</a:t>
+                      </a:r>
+                      <a:endParaRPr lang="en-IE" sz="3200" dirty="0"/>
+                    </a:p>
+                  </a:txBody>
+                  <a:tcPr/>
+                </a:tc>
+              </a:tr>
+              <a:tr h="379616">
+                <a:tc>
+                  <a:txBody>
+                    <a:bodyPr/>
+                    <a:lstStyle/>
+                    <a:p>
+                      <a:r>
+                        <a:rPr lang="en-IE" sz="3200" dirty="0" smtClean="0"/>
+                        <a:t>Stalled</a:t>
+                      </a:r>
+                      <a:r>
+                        <a:rPr lang="en-IE" sz="3200" baseline="0" dirty="0" smtClean="0"/>
+                        <a:t> Back End</a:t>
+                      </a:r>
+                      <a:endParaRPr lang="en-IE" sz="3200" dirty="0"/>
+                    </a:p>
+                  </a:txBody>
+                  <a:tcPr/>
+                </a:tc>
+                <a:tc>
+                  <a:txBody>
+                    <a:bodyPr/>
+                    <a:lstStyle/>
+                    <a:p>
+                      <a:r>
+                        <a:rPr lang="en-IE" sz="3200" dirty="0" smtClean="0"/>
+                        <a:t>4.29x10^9</a:t>
+                      </a:r>
+                      <a:endParaRPr lang="en-IE" sz="3200" dirty="0"/>
+                    </a:p>
+                  </a:txBody>
+                  <a:tcPr/>
+                </a:tc>
+                <a:tc>
+                  <a:txBody>
+                    <a:bodyPr/>
+                    <a:lstStyle/>
+                    <a:p>
+                      <a:r>
+                        <a:rPr lang="en-IE" sz="3200" dirty="0" smtClean="0"/>
+                        <a:t>1.92x10^10</a:t>
                       </a:r>
                       <a:endParaRPr lang="en-IE" sz="3200" dirty="0"/>
                     </a:p>
@@ -6864,6 +7102,13 @@
     <a:masterClrMapping/>
   </p:clrMapOvr>
   <p:transition/>
+  <p:timing>
+    <p:tnLst>
+      <p:par>
+        <p:cTn id="1" dur="indefinite" restart="never" nodeType="tmRoot"/>
+      </p:par>
+    </p:tnLst>
+  </p:timing>
 </p:sld>
 </file>
 
